--- a/content/docs/theory-analysis/spark-architecture/images/images.pptx
+++ b/content/docs/theory-analysis/spark-architecture/images/images.pptx
@@ -8145,7 +8145,7 @@
           <a:p>
             <a:pPr algn="ctr"/>
             <a:r>
-              <a:rPr lang="en-KR" sz="1400">
+              <a:rPr lang="en-KR" sz="1400" b="1">
                 <a:solidFill>
                   <a:schemeClr val="tx1"/>
                 </a:solidFill>
@@ -9214,7 +9214,7 @@
           <a:p>
             <a:pPr algn="ctr"/>
             <a:r>
-              <a:rPr lang="en-KR" sz="1400">
+              <a:rPr lang="en-KR" sz="1400" b="1">
                 <a:solidFill>
                   <a:schemeClr val="tx1"/>
                 </a:solidFill>
